--- a/coffee/2차_Project_ppt완성본.pptx
+++ b/coffee/2차_Project_ppt완성본.pptx
@@ -10661,7 +10661,7 @@
         </p:blipFill>
         <p:spPr>
           <a:xfrm>
-            <a:off x="906603" y="1489685"/>
+            <a:off x="906603" y="1496695"/>
             <a:ext cx="10378791" cy="4073155"/>
           </a:xfrm>
           <a:prstGeom prst="rect">
@@ -10717,154 +10717,6 @@
       </p:sp>
       <p:sp>
         <p:nvSpPr>
-          <p:cNvPr id="10" name="TextBox 9">
-            <a:extLst>
-              <a:ext uri="{FF2B5EF4-FFF2-40B4-BE49-F238E27FC236}">
-                <a16:creationId xmlns:a16="http://schemas.microsoft.com/office/drawing/2014/main" id="{0D0CA869-BE9E-9044-9C1B-ADAB78A91ADD}"/>
-              </a:ext>
-            </a:extLst>
-          </p:cNvPr>
-          <p:cNvSpPr txBox="1"/>
-          <p:nvPr/>
-        </p:nvSpPr>
-        <p:spPr>
-          <a:xfrm>
-            <a:off x="1049239" y="1211360"/>
-            <a:ext cx="9447190" cy="285335"/>
-          </a:xfrm>
-          <a:prstGeom prst="rect">
-            <a:avLst/>
-          </a:prstGeom>
-          <a:noFill/>
-        </p:spPr>
-        <p:txBody>
-          <a:bodyPr wrap="square" rtlCol="0">
-            <a:spAutoFit/>
-          </a:bodyPr>
-          <a:lstStyle/>
-          <a:p>
-            <a:pPr>
-              <a:lnSpc>
-                <a:spcPct val="114000"/>
-              </a:lnSpc>
-            </a:pPr>
-            <a:r>
-              <a:rPr lang="ko-KR" altLang="en-US" sz="1100" dirty="0" smtClean="0">
-                <a:ln>
-                  <a:solidFill>
-                    <a:schemeClr val="accent1">
-                      <a:alpha val="0"/>
-                    </a:schemeClr>
-                  </a:solidFill>
-                </a:ln>
-                <a:latin typeface="여기어때 잘난체" panose="020B0600000101010101" pitchFamily="50" charset="-127"/>
-                <a:ea typeface="여기어때 잘난체" panose="020B0600000101010101" pitchFamily="50" charset="-127"/>
-              </a:rPr>
-              <a:t>공공데이터에서 제공하는 예시 코드에서는 주소를 가져올 때 오류가 나서 </a:t>
-            </a:r>
-            <a:r>
-              <a:rPr lang="en-US" altLang="ko-KR" sz="1100" dirty="0" smtClean="0">
-                <a:ln>
-                  <a:solidFill>
-                    <a:schemeClr val="accent1">
-                      <a:alpha val="0"/>
-                    </a:schemeClr>
-                  </a:solidFill>
-                </a:ln>
-                <a:latin typeface="여기어때 잘난체" panose="020B0600000101010101" pitchFamily="50" charset="-127"/>
-                <a:ea typeface="여기어때 잘난체" panose="020B0600000101010101" pitchFamily="50" charset="-127"/>
-              </a:rPr>
-              <a:t>fetch </a:t>
-            </a:r>
-            <a:r>
-              <a:rPr lang="ko-KR" altLang="en-US" sz="1100" dirty="0" smtClean="0">
-                <a:ln>
-                  <a:solidFill>
-                    <a:schemeClr val="accent1">
-                      <a:alpha val="0"/>
-                    </a:schemeClr>
-                  </a:solidFill>
-                </a:ln>
-                <a:latin typeface="여기어때 잘난체" panose="020B0600000101010101" pitchFamily="50" charset="-127"/>
-                <a:ea typeface="여기어때 잘난체" panose="020B0600000101010101" pitchFamily="50" charset="-127"/>
-              </a:rPr>
-              <a:t>함수를 사용하여 </a:t>
-            </a:r>
-            <a:r>
-              <a:rPr lang="ko-KR" altLang="en-US" sz="1100" dirty="0" smtClean="0">
-                <a:ln>
-                  <a:solidFill>
-                    <a:schemeClr val="accent1">
-                      <a:alpha val="0"/>
-                    </a:schemeClr>
-                  </a:solidFill>
-                </a:ln>
-                <a:latin typeface="여기어때 잘난체" panose="020B0600000101010101" pitchFamily="50" charset="-127"/>
-                <a:ea typeface="여기어때 잘난체" panose="020B0600000101010101" pitchFamily="50" charset="-127"/>
-              </a:rPr>
-              <a:t>데이터를 </a:t>
-            </a:r>
-            <a:r>
-              <a:rPr lang="ko-KR" altLang="en-US" sz="1100" dirty="0" smtClean="0">
-                <a:ln>
-                  <a:solidFill>
-                    <a:schemeClr val="accent1">
-                      <a:alpha val="0"/>
-                    </a:schemeClr>
-                  </a:solidFill>
-                </a:ln>
-                <a:latin typeface="여기어때 잘난체" panose="020B0600000101010101" pitchFamily="50" charset="-127"/>
-                <a:ea typeface="여기어때 잘난체" panose="020B0600000101010101" pitchFamily="50" charset="-127"/>
-              </a:rPr>
-              <a:t>가져오니</a:t>
-            </a:r>
-            <a:r>
-              <a:rPr lang="ko-KR" altLang="en-US" sz="1100" dirty="0">
-                <a:ln>
-                  <a:solidFill>
-                    <a:schemeClr val="accent1">
-                      <a:alpha val="0"/>
-                    </a:schemeClr>
-                  </a:solidFill>
-                </a:ln>
-                <a:latin typeface="여기어때 잘난체" panose="020B0600000101010101" pitchFamily="50" charset="-127"/>
-                <a:ea typeface="여기어때 잘난체" panose="020B0600000101010101" pitchFamily="50" charset="-127"/>
-              </a:rPr>
-              <a:t> </a:t>
-            </a:r>
-            <a:r>
-              <a:rPr lang="ko-KR" altLang="en-US" sz="1100" dirty="0" smtClean="0">
-                <a:ln>
-                  <a:solidFill>
-                    <a:schemeClr val="accent1">
-                      <a:alpha val="0"/>
-                    </a:schemeClr>
-                  </a:solidFill>
-                </a:ln>
-                <a:latin typeface="여기어때 잘난체" panose="020B0600000101010101" pitchFamily="50" charset="-127"/>
-                <a:ea typeface="여기어때 잘난체" panose="020B0600000101010101" pitchFamily="50" charset="-127"/>
-              </a:rPr>
-              <a:t>문제해결이 되었습니다</a:t>
-            </a:r>
-            <a:r>
-              <a:rPr lang="en-US" altLang="ko-KR" sz="1100" dirty="0" smtClean="0">
-                <a:ln>
-                  <a:solidFill>
-                    <a:schemeClr val="accent1">
-                      <a:alpha val="0"/>
-                    </a:schemeClr>
-                  </a:solidFill>
-                </a:ln>
-                <a:latin typeface="여기어때 잘난체" panose="020B0600000101010101" pitchFamily="50" charset="-127"/>
-                <a:ea typeface="여기어때 잘난체" panose="020B0600000101010101" pitchFamily="50" charset="-127"/>
-              </a:rPr>
-              <a:t>.</a:t>
-            </a:r>
-          </a:p>
-        </p:txBody>
-      </p:sp>
-      <p:sp>
-        <p:nvSpPr>
           <p:cNvPr id="12" name="모서리가 둥근 직사각형 11"/>
           <p:cNvSpPr/>
           <p:nvPr/>
@@ -10909,376 +10761,512 @@
           </a:p>
         </p:txBody>
       </p:sp>
-      <p:sp>
-        <p:nvSpPr>
-          <p:cNvPr id="13" name="TextBox 12">
-            <a:extLst>
-              <a:ext uri="{FF2B5EF4-FFF2-40B4-BE49-F238E27FC236}">
-                <a16:creationId xmlns:a16="http://schemas.microsoft.com/office/drawing/2014/main" id="{0D0CA869-BE9E-9044-9C1B-ADAB78A91ADD}"/>
-              </a:ext>
-            </a:extLst>
-          </p:cNvPr>
-          <p:cNvSpPr txBox="1"/>
+      <p:grpSp>
+        <p:nvGrpSpPr>
+          <p:cNvPr id="4" name="그룹 3"/>
+          <p:cNvGrpSpPr/>
           <p:nvPr/>
-        </p:nvSpPr>
-        <p:spPr>
+        </p:nvGrpSpPr>
+        <p:grpSpPr>
           <a:xfrm>
-            <a:off x="5339751" y="2454179"/>
-            <a:ext cx="3571336" cy="478336"/>
-          </a:xfrm>
-          <a:prstGeom prst="rect">
-            <a:avLst/>
-          </a:prstGeom>
-          <a:noFill/>
-        </p:spPr>
-        <p:txBody>
-          <a:bodyPr wrap="square" rtlCol="0">
-            <a:spAutoFit/>
-          </a:bodyPr>
-          <a:lstStyle/>
-          <a:p>
-            <a:pPr>
-              <a:lnSpc>
-                <a:spcPct val="114000"/>
-              </a:lnSpc>
-            </a:pPr>
-            <a:r>
-              <a:rPr lang="ko-KR" altLang="en-US" sz="1100" dirty="0" smtClean="0">
-                <a:ln>
+            <a:off x="1049239" y="1211360"/>
+            <a:ext cx="9447190" cy="560126"/>
+            <a:chOff x="1049239" y="1211360"/>
+            <a:chExt cx="9447190" cy="560126"/>
+          </a:xfrm>
+        </p:grpSpPr>
+        <p:sp>
+          <p:nvSpPr>
+            <p:cNvPr id="10" name="TextBox 9">
+              <a:extLst>
+                <a:ext uri="{FF2B5EF4-FFF2-40B4-BE49-F238E27FC236}">
+                  <a16:creationId xmlns:a16="http://schemas.microsoft.com/office/drawing/2014/main" id="{0D0CA869-BE9E-9044-9C1B-ADAB78A91ADD}"/>
+                </a:ext>
+              </a:extLst>
+            </p:cNvPr>
+            <p:cNvSpPr txBox="1"/>
+            <p:nvPr/>
+          </p:nvSpPr>
+          <p:spPr>
+            <a:xfrm>
+              <a:off x="1049239" y="1211360"/>
+              <a:ext cx="9447190" cy="285335"/>
+            </a:xfrm>
+            <a:prstGeom prst="rect">
+              <a:avLst/>
+            </a:prstGeom>
+            <a:noFill/>
+          </p:spPr>
+          <p:txBody>
+            <a:bodyPr wrap="square" rtlCol="0">
+              <a:spAutoFit/>
+            </a:bodyPr>
+            <a:lstStyle/>
+            <a:p>
+              <a:pPr>
+                <a:lnSpc>
+                  <a:spcPct val="114000"/>
+                </a:lnSpc>
+              </a:pPr>
+              <a:r>
+                <a:rPr lang="ko-KR" altLang="en-US" sz="1100" dirty="0" smtClean="0">
+                  <a:ln>
+                    <a:solidFill>
+                      <a:schemeClr val="accent1">
+                        <a:alpha val="0"/>
+                      </a:schemeClr>
+                    </a:solidFill>
+                  </a:ln>
+                  <a:latin typeface="여기어때 잘난체" panose="020B0600000101010101" pitchFamily="50" charset="-127"/>
+                  <a:ea typeface="여기어때 잘난체" panose="020B0600000101010101" pitchFamily="50" charset="-127"/>
+                </a:rPr>
+                <a:t>공공데이터에서 제공하는 예시 코드에서는 주소를 가져올 때 오류가 나서 </a:t>
+              </a:r>
+              <a:r>
+                <a:rPr lang="en-US" altLang="ko-KR" sz="1100" dirty="0" smtClean="0">
+                  <a:ln>
+                    <a:solidFill>
+                      <a:schemeClr val="accent1">
+                        <a:alpha val="0"/>
+                      </a:schemeClr>
+                    </a:solidFill>
+                  </a:ln>
+                  <a:latin typeface="여기어때 잘난체" panose="020B0600000101010101" pitchFamily="50" charset="-127"/>
+                  <a:ea typeface="여기어때 잘난체" panose="020B0600000101010101" pitchFamily="50" charset="-127"/>
+                </a:rPr>
+                <a:t>fetch </a:t>
+              </a:r>
+              <a:r>
+                <a:rPr lang="ko-KR" altLang="en-US" sz="1100" dirty="0" smtClean="0">
+                  <a:ln>
+                    <a:solidFill>
+                      <a:schemeClr val="accent1">
+                        <a:alpha val="0"/>
+                      </a:schemeClr>
+                    </a:solidFill>
+                  </a:ln>
+                  <a:latin typeface="여기어때 잘난체" panose="020B0600000101010101" pitchFamily="50" charset="-127"/>
+                  <a:ea typeface="여기어때 잘난체" panose="020B0600000101010101" pitchFamily="50" charset="-127"/>
+                </a:rPr>
+                <a:t>함수를 사용하여 데이터를 가져오니</a:t>
+              </a:r>
+              <a:r>
+                <a:rPr lang="ko-KR" altLang="en-US" sz="1100" dirty="0">
+                  <a:ln>
+                    <a:solidFill>
+                      <a:schemeClr val="accent1">
+                        <a:alpha val="0"/>
+                      </a:schemeClr>
+                    </a:solidFill>
+                  </a:ln>
+                  <a:latin typeface="여기어때 잘난체" panose="020B0600000101010101" pitchFamily="50" charset="-127"/>
+                  <a:ea typeface="여기어때 잘난체" panose="020B0600000101010101" pitchFamily="50" charset="-127"/>
+                </a:rPr>
+                <a:t> </a:t>
+              </a:r>
+              <a:r>
+                <a:rPr lang="ko-KR" altLang="en-US" sz="1100" dirty="0" smtClean="0">
+                  <a:ln>
+                    <a:solidFill>
+                      <a:schemeClr val="accent1">
+                        <a:alpha val="0"/>
+                      </a:schemeClr>
+                    </a:solidFill>
+                  </a:ln>
+                  <a:latin typeface="여기어때 잘난체" panose="020B0600000101010101" pitchFamily="50" charset="-127"/>
+                  <a:ea typeface="여기어때 잘난체" panose="020B0600000101010101" pitchFamily="50" charset="-127"/>
+                </a:rPr>
+                <a:t>문제해결이 되었습니다</a:t>
+              </a:r>
+              <a:r>
+                <a:rPr lang="en-US" altLang="ko-KR" sz="1100" dirty="0" smtClean="0">
+                  <a:ln>
+                    <a:solidFill>
+                      <a:schemeClr val="accent1">
+                        <a:alpha val="0"/>
+                      </a:schemeClr>
+                    </a:solidFill>
+                  </a:ln>
+                  <a:latin typeface="여기어때 잘난체" panose="020B0600000101010101" pitchFamily="50" charset="-127"/>
+                  <a:ea typeface="여기어때 잘난체" panose="020B0600000101010101" pitchFamily="50" charset="-127"/>
+                </a:rPr>
+                <a:t>.</a:t>
+              </a:r>
+            </a:p>
+          </p:txBody>
+        </p:sp>
+        <p:sp>
+          <p:nvSpPr>
+            <p:cNvPr id="14" name="오른쪽 화살표 13"/>
+            <p:cNvSpPr/>
+            <p:nvPr/>
+          </p:nvSpPr>
+          <p:spPr>
+            <a:xfrm rot="16200000">
+              <a:off x="2925457" y="1269733"/>
+              <a:ext cx="267679" cy="735828"/>
+            </a:xfrm>
+            <a:prstGeom prst="rightArrow">
+              <a:avLst/>
+            </a:prstGeom>
+            <a:solidFill>
+              <a:srgbClr val="FFE7E7"/>
+            </a:solidFill>
+            <a:ln>
+              <a:solidFill>
+                <a:srgbClr val="F89698"/>
+              </a:solidFill>
+            </a:ln>
+          </p:spPr>
+          <p:style>
+            <a:lnRef idx="2">
+              <a:schemeClr val="accent1">
+                <a:shade val="50000"/>
+              </a:schemeClr>
+            </a:lnRef>
+            <a:fillRef idx="1">
+              <a:schemeClr val="accent1"/>
+            </a:fillRef>
+            <a:effectRef idx="0">
+              <a:schemeClr val="accent1"/>
+            </a:effectRef>
+            <a:fontRef idx="minor">
+              <a:schemeClr val="lt1"/>
+            </a:fontRef>
+          </p:style>
+          <p:txBody>
+            <a:bodyPr rtlCol="0" anchor="ctr"/>
+            <a:lstStyle/>
+            <a:p>
+              <a:pPr algn="ctr"/>
+              <a:endParaRPr lang="ko-KR" altLang="en-US"/>
+            </a:p>
+          </p:txBody>
+        </p:sp>
+      </p:grpSp>
+      <p:grpSp>
+        <p:nvGrpSpPr>
+          <p:cNvPr id="6" name="그룹 5"/>
+          <p:cNvGrpSpPr/>
+          <p:nvPr/>
+        </p:nvGrpSpPr>
+        <p:grpSpPr>
+          <a:xfrm>
+            <a:off x="5339751" y="2113380"/>
+            <a:ext cx="3571336" cy="819135"/>
+            <a:chOff x="5339751" y="2113380"/>
+            <a:chExt cx="3571336" cy="819135"/>
+          </a:xfrm>
+        </p:grpSpPr>
+        <p:sp>
+          <p:nvSpPr>
+            <p:cNvPr id="13" name="TextBox 12">
+              <a:extLst>
+                <a:ext uri="{FF2B5EF4-FFF2-40B4-BE49-F238E27FC236}">
+                  <a16:creationId xmlns:a16="http://schemas.microsoft.com/office/drawing/2014/main" id="{0D0CA869-BE9E-9044-9C1B-ADAB78A91ADD}"/>
+                </a:ext>
+              </a:extLst>
+            </p:cNvPr>
+            <p:cNvSpPr txBox="1"/>
+            <p:nvPr/>
+          </p:nvSpPr>
+          <p:spPr>
+            <a:xfrm>
+              <a:off x="5339751" y="2454179"/>
+              <a:ext cx="3571336" cy="478336"/>
+            </a:xfrm>
+            <a:prstGeom prst="rect">
+              <a:avLst/>
+            </a:prstGeom>
+            <a:noFill/>
+          </p:spPr>
+          <p:txBody>
+            <a:bodyPr wrap="square" rtlCol="0">
+              <a:spAutoFit/>
+            </a:bodyPr>
+            <a:lstStyle/>
+            <a:p>
+              <a:pPr>
+                <a:lnSpc>
+                  <a:spcPct val="114000"/>
+                </a:lnSpc>
+              </a:pPr>
+              <a:r>
+                <a:rPr lang="ko-KR" altLang="en-US" sz="1100" dirty="0" smtClean="0">
+                  <a:ln>
+                    <a:solidFill>
+                      <a:schemeClr val="accent1">
+                        <a:alpha val="0"/>
+                      </a:schemeClr>
+                    </a:solidFill>
+                  </a:ln>
                   <a:solidFill>
-                    <a:schemeClr val="accent1">
-                      <a:alpha val="0"/>
-                    </a:schemeClr>
+                    <a:schemeClr val="bg1"/>
                   </a:solidFill>
-                </a:ln>
-                <a:solidFill>
-                  <a:schemeClr val="bg1"/>
-                </a:solidFill>
-                <a:latin typeface="여기어때 잘난체" panose="020B0600000101010101" pitchFamily="50" charset="-127"/>
-                <a:ea typeface="여기어때 잘난체" panose="020B0600000101010101" pitchFamily="50" charset="-127"/>
-              </a:rPr>
-              <a:t>언어 설정 시</a:t>
-            </a:r>
-            <a:r>
-              <a:rPr lang="en-US" altLang="ko-KR" sz="1100" dirty="0" smtClean="0">
-                <a:ln>
+                  <a:latin typeface="여기어때 잘난체" panose="020B0600000101010101" pitchFamily="50" charset="-127"/>
+                  <a:ea typeface="여기어때 잘난체" panose="020B0600000101010101" pitchFamily="50" charset="-127"/>
+                </a:rPr>
+                <a:t>언어 설정 시</a:t>
+              </a:r>
+              <a:r>
+                <a:rPr lang="en-US" altLang="ko-KR" sz="1100" dirty="0" smtClean="0">
+                  <a:ln>
+                    <a:solidFill>
+                      <a:schemeClr val="accent1">
+                        <a:alpha val="0"/>
+                      </a:schemeClr>
+                    </a:solidFill>
+                  </a:ln>
                   <a:solidFill>
-                    <a:schemeClr val="accent1">
-                      <a:alpha val="0"/>
-                    </a:schemeClr>
+                    <a:schemeClr val="bg1"/>
                   </a:solidFill>
-                </a:ln>
-                <a:solidFill>
-                  <a:schemeClr val="bg1"/>
-                </a:solidFill>
-                <a:latin typeface="여기어때 잘난체" panose="020B0600000101010101" pitchFamily="50" charset="-127"/>
-                <a:ea typeface="여기어때 잘난체" panose="020B0600000101010101" pitchFamily="50" charset="-127"/>
-              </a:rPr>
-              <a:t>, Kr </a:t>
-            </a:r>
-            <a:r>
-              <a:rPr lang="ko-KR" altLang="en-US" sz="1100" dirty="0" smtClean="0">
-                <a:ln>
+                  <a:latin typeface="여기어때 잘난체" panose="020B0600000101010101" pitchFamily="50" charset="-127"/>
+                  <a:ea typeface="여기어때 잘난체" panose="020B0600000101010101" pitchFamily="50" charset="-127"/>
+                </a:rPr>
+                <a:t>, Kr </a:t>
+              </a:r>
+              <a:r>
+                <a:rPr lang="ko-KR" altLang="en-US" sz="1100" dirty="0" smtClean="0">
+                  <a:ln>
+                    <a:solidFill>
+                      <a:schemeClr val="accent1">
+                        <a:alpha val="0"/>
+                      </a:schemeClr>
+                    </a:solidFill>
+                  </a:ln>
                   <a:solidFill>
-                    <a:schemeClr val="accent1">
-                      <a:alpha val="0"/>
-                    </a:schemeClr>
+                    <a:schemeClr val="bg1"/>
                   </a:solidFill>
-                </a:ln>
-                <a:solidFill>
-                  <a:schemeClr val="bg1"/>
-                </a:solidFill>
-                <a:latin typeface="여기어때 잘난체" panose="020B0600000101010101" pitchFamily="50" charset="-127"/>
-                <a:ea typeface="여기어때 잘난체" panose="020B0600000101010101" pitchFamily="50" charset="-127"/>
-              </a:rPr>
-              <a:t>부분을 </a:t>
-            </a:r>
-            <a:r>
-              <a:rPr lang="en-US" altLang="ko-KR" sz="1100" dirty="0" err="1" smtClean="0">
-                <a:ln>
+                  <a:latin typeface="여기어때 잘난체" panose="020B0600000101010101" pitchFamily="50" charset="-127"/>
+                  <a:ea typeface="여기어때 잘난체" panose="020B0600000101010101" pitchFamily="50" charset="-127"/>
+                </a:rPr>
+                <a:t>부분을 </a:t>
+              </a:r>
+              <a:r>
+                <a:rPr lang="en-US" altLang="ko-KR" sz="1100" dirty="0" err="1" smtClean="0">
+                  <a:ln>
+                    <a:solidFill>
+                      <a:schemeClr val="accent1">
+                        <a:alpha val="0"/>
+                      </a:schemeClr>
+                    </a:solidFill>
+                  </a:ln>
                   <a:solidFill>
-                    <a:schemeClr val="accent1">
-                      <a:alpha val="0"/>
-                    </a:schemeClr>
+                    <a:schemeClr val="bg1"/>
                   </a:solidFill>
-                </a:ln>
-                <a:solidFill>
-                  <a:schemeClr val="bg1"/>
-                </a:solidFill>
-                <a:latin typeface="여기어때 잘난체" panose="020B0600000101010101" pitchFamily="50" charset="-127"/>
-                <a:ea typeface="여기어때 잘난체" panose="020B0600000101010101" pitchFamily="50" charset="-127"/>
-              </a:rPr>
-              <a:t>En</a:t>
-            </a:r>
-            <a:r>
-              <a:rPr lang="en-US" altLang="ko-KR" sz="1100" dirty="0" smtClean="0">
-                <a:ln>
+                  <a:latin typeface="여기어때 잘난체" panose="020B0600000101010101" pitchFamily="50" charset="-127"/>
+                  <a:ea typeface="여기어때 잘난체" panose="020B0600000101010101" pitchFamily="50" charset="-127"/>
+                </a:rPr>
+                <a:t>En</a:t>
+              </a:r>
+              <a:r>
+                <a:rPr lang="en-US" altLang="ko-KR" sz="1100" dirty="0" smtClean="0">
+                  <a:ln>
+                    <a:solidFill>
+                      <a:schemeClr val="accent1">
+                        <a:alpha val="0"/>
+                      </a:schemeClr>
+                    </a:solidFill>
+                  </a:ln>
                   <a:solidFill>
-                    <a:schemeClr val="accent1">
-                      <a:alpha val="0"/>
-                    </a:schemeClr>
+                    <a:schemeClr val="bg1"/>
                   </a:solidFill>
-                </a:ln>
-                <a:solidFill>
-                  <a:schemeClr val="bg1"/>
-                </a:solidFill>
-                <a:latin typeface="여기어때 잘난체" panose="020B0600000101010101" pitchFamily="50" charset="-127"/>
-                <a:ea typeface="여기어때 잘난체" panose="020B0600000101010101" pitchFamily="50" charset="-127"/>
-              </a:rPr>
-              <a:t>, Ja, </a:t>
-            </a:r>
-            <a:r>
-              <a:rPr lang="en-US" altLang="ko-KR" sz="1100" dirty="0" err="1" smtClean="0">
-                <a:ln>
+                  <a:latin typeface="여기어때 잘난체" panose="020B0600000101010101" pitchFamily="50" charset="-127"/>
+                  <a:ea typeface="여기어때 잘난체" panose="020B0600000101010101" pitchFamily="50" charset="-127"/>
+                </a:rPr>
+                <a:t>, Ja, </a:t>
+              </a:r>
+              <a:r>
+                <a:rPr lang="en-US" altLang="ko-KR" sz="1100" dirty="0" err="1" smtClean="0">
+                  <a:ln>
+                    <a:solidFill>
+                      <a:schemeClr val="accent1">
+                        <a:alpha val="0"/>
+                      </a:schemeClr>
+                    </a:solidFill>
+                  </a:ln>
                   <a:solidFill>
-                    <a:schemeClr val="accent1">
-                      <a:alpha val="0"/>
-                    </a:schemeClr>
+                    <a:schemeClr val="bg1"/>
                   </a:solidFill>
-                </a:ln>
-                <a:solidFill>
-                  <a:schemeClr val="bg1"/>
-                </a:solidFill>
-                <a:latin typeface="여기어때 잘난체" panose="020B0600000101010101" pitchFamily="50" charset="-127"/>
-                <a:ea typeface="여기어때 잘난체" panose="020B0600000101010101" pitchFamily="50" charset="-127"/>
-              </a:rPr>
-              <a:t>Zhr</a:t>
-            </a:r>
-            <a:r>
-              <a:rPr lang="en-US" altLang="ko-KR" sz="1100" dirty="0" smtClean="0">
-                <a:ln>
+                  <a:latin typeface="여기어때 잘난체" panose="020B0600000101010101" pitchFamily="50" charset="-127"/>
+                  <a:ea typeface="여기어때 잘난체" panose="020B0600000101010101" pitchFamily="50" charset="-127"/>
+                </a:rPr>
+                <a:t>Zhr</a:t>
+              </a:r>
+              <a:r>
+                <a:rPr lang="en-US" altLang="ko-KR" sz="1100" dirty="0" smtClean="0">
+                  <a:ln>
+                    <a:solidFill>
+                      <a:schemeClr val="accent1">
+                        <a:alpha val="0"/>
+                      </a:schemeClr>
+                    </a:solidFill>
+                  </a:ln>
                   <a:solidFill>
-                    <a:schemeClr val="accent1">
-                      <a:alpha val="0"/>
-                    </a:schemeClr>
+                    <a:schemeClr val="bg1"/>
                   </a:solidFill>
-                </a:ln>
-                <a:solidFill>
-                  <a:schemeClr val="bg1"/>
-                </a:solidFill>
-                <a:latin typeface="여기어때 잘난체" panose="020B0600000101010101" pitchFamily="50" charset="-127"/>
-                <a:ea typeface="여기어때 잘난체" panose="020B0600000101010101" pitchFamily="50" charset="-127"/>
-              </a:rPr>
-              <a:t>, </a:t>
-            </a:r>
-            <a:r>
-              <a:rPr lang="en-US" altLang="ko-KR" sz="1100" dirty="0" err="1" smtClean="0">
-                <a:ln>
+                  <a:latin typeface="여기어때 잘난체" panose="020B0600000101010101" pitchFamily="50" charset="-127"/>
+                  <a:ea typeface="여기어때 잘난체" panose="020B0600000101010101" pitchFamily="50" charset="-127"/>
+                </a:rPr>
+                <a:t>, </a:t>
+              </a:r>
+              <a:r>
+                <a:rPr lang="en-US" altLang="ko-KR" sz="1100" dirty="0" err="1" smtClean="0">
+                  <a:ln>
+                    <a:solidFill>
+                      <a:schemeClr val="accent1">
+                        <a:alpha val="0"/>
+                      </a:schemeClr>
+                    </a:solidFill>
+                  </a:ln>
                   <a:solidFill>
-                    <a:schemeClr val="accent1">
-                      <a:alpha val="0"/>
-                    </a:schemeClr>
+                    <a:schemeClr val="bg1"/>
                   </a:solidFill>
-                </a:ln>
-                <a:solidFill>
-                  <a:schemeClr val="bg1"/>
-                </a:solidFill>
-                <a:latin typeface="여기어때 잘난체" panose="020B0600000101010101" pitchFamily="50" charset="-127"/>
-                <a:ea typeface="여기어때 잘난체" panose="020B0600000101010101" pitchFamily="50" charset="-127"/>
-              </a:rPr>
-              <a:t>Zht</a:t>
-            </a:r>
-            <a:r>
-              <a:rPr lang="en-US" altLang="ko-KR" sz="1100" dirty="0" smtClean="0">
-                <a:ln>
+                  <a:latin typeface="여기어때 잘난체" panose="020B0600000101010101" pitchFamily="50" charset="-127"/>
+                  <a:ea typeface="여기어때 잘난체" panose="020B0600000101010101" pitchFamily="50" charset="-127"/>
+                </a:rPr>
+                <a:t>Zht</a:t>
+              </a:r>
+              <a:r>
+                <a:rPr lang="en-US" altLang="ko-KR" sz="1100" dirty="0" smtClean="0">
+                  <a:ln>
+                    <a:solidFill>
+                      <a:schemeClr val="accent1">
+                        <a:alpha val="0"/>
+                      </a:schemeClr>
+                    </a:solidFill>
+                  </a:ln>
                   <a:solidFill>
-                    <a:schemeClr val="accent1">
-                      <a:alpha val="0"/>
-                    </a:schemeClr>
+                    <a:schemeClr val="bg1"/>
                   </a:solidFill>
-                </a:ln>
-                <a:solidFill>
-                  <a:schemeClr val="bg1"/>
-                </a:solidFill>
-                <a:latin typeface="여기어때 잘난체" panose="020B0600000101010101" pitchFamily="50" charset="-127"/>
-                <a:ea typeface="여기어때 잘난체" panose="020B0600000101010101" pitchFamily="50" charset="-127"/>
-              </a:rPr>
-              <a:t> </a:t>
-            </a:r>
-            <a:r>
-              <a:rPr lang="ko-KR" altLang="en-US" sz="1100" dirty="0" smtClean="0">
-                <a:ln>
+                  <a:latin typeface="여기어때 잘난체" panose="020B0600000101010101" pitchFamily="50" charset="-127"/>
+                  <a:ea typeface="여기어때 잘난체" panose="020B0600000101010101" pitchFamily="50" charset="-127"/>
+                </a:rPr>
+                <a:t> </a:t>
+              </a:r>
+              <a:r>
+                <a:rPr lang="ko-KR" altLang="en-US" sz="1100" dirty="0" smtClean="0">
+                  <a:ln>
+                    <a:solidFill>
+                      <a:schemeClr val="accent1">
+                        <a:alpha val="0"/>
+                      </a:schemeClr>
+                    </a:solidFill>
+                  </a:ln>
                   <a:solidFill>
-                    <a:schemeClr val="accent1">
-                      <a:alpha val="0"/>
-                    </a:schemeClr>
+                    <a:schemeClr val="bg1"/>
                   </a:solidFill>
-                </a:ln>
-                <a:solidFill>
-                  <a:schemeClr val="bg1"/>
-                </a:solidFill>
-                <a:latin typeface="여기어때 잘난체" panose="020B0600000101010101" pitchFamily="50" charset="-127"/>
-                <a:ea typeface="여기어때 잘난체" panose="020B0600000101010101" pitchFamily="50" charset="-127"/>
-              </a:rPr>
-              <a:t>등으로 변경 시</a:t>
-            </a:r>
-            <a:r>
-              <a:rPr lang="en-US" altLang="ko-KR" sz="1100" dirty="0" smtClean="0">
-                <a:ln>
+                  <a:latin typeface="여기어때 잘난체" panose="020B0600000101010101" pitchFamily="50" charset="-127"/>
+                  <a:ea typeface="여기어때 잘난체" panose="020B0600000101010101" pitchFamily="50" charset="-127"/>
+                </a:rPr>
+                <a:t>등으로 변경 시</a:t>
+              </a:r>
+              <a:r>
+                <a:rPr lang="en-US" altLang="ko-KR" sz="1100" dirty="0" smtClean="0">
+                  <a:ln>
+                    <a:solidFill>
+                      <a:schemeClr val="accent1">
+                        <a:alpha val="0"/>
+                      </a:schemeClr>
+                    </a:solidFill>
+                  </a:ln>
                   <a:solidFill>
-                    <a:schemeClr val="accent1">
-                      <a:alpha val="0"/>
-                    </a:schemeClr>
+                    <a:schemeClr val="bg1"/>
                   </a:solidFill>
-                </a:ln>
-                <a:solidFill>
-                  <a:schemeClr val="bg1"/>
-                </a:solidFill>
-                <a:latin typeface="여기어때 잘난체" panose="020B0600000101010101" pitchFamily="50" charset="-127"/>
-                <a:ea typeface="여기어때 잘난체" panose="020B0600000101010101" pitchFamily="50" charset="-127"/>
-              </a:rPr>
-              <a:t>, </a:t>
-            </a:r>
-            <a:r>
-              <a:rPr lang="ko-KR" altLang="en-US" sz="1100" dirty="0" smtClean="0">
-                <a:ln>
+                  <a:latin typeface="여기어때 잘난체" panose="020B0600000101010101" pitchFamily="50" charset="-127"/>
+                  <a:ea typeface="여기어때 잘난체" panose="020B0600000101010101" pitchFamily="50" charset="-127"/>
+                </a:rPr>
+                <a:t>, </a:t>
+              </a:r>
+              <a:r>
+                <a:rPr lang="ko-KR" altLang="en-US" sz="1100" dirty="0" smtClean="0">
+                  <a:ln>
+                    <a:solidFill>
+                      <a:schemeClr val="accent1">
+                        <a:alpha val="0"/>
+                      </a:schemeClr>
+                    </a:solidFill>
+                  </a:ln>
                   <a:solidFill>
-                    <a:schemeClr val="accent1">
-                      <a:alpha val="0"/>
-                    </a:schemeClr>
+                    <a:schemeClr val="bg1"/>
                   </a:solidFill>
-                </a:ln>
-                <a:solidFill>
-                  <a:schemeClr val="bg1"/>
-                </a:solidFill>
-                <a:latin typeface="여기어때 잘난체" panose="020B0600000101010101" pitchFamily="50" charset="-127"/>
-                <a:ea typeface="여기어때 잘난체" panose="020B0600000101010101" pitchFamily="50" charset="-127"/>
-              </a:rPr>
-              <a:t>언어가 변경됨</a:t>
-            </a:r>
-            <a:r>
-              <a:rPr lang="en-US" altLang="ko-KR" sz="1100" dirty="0" smtClean="0">
-                <a:ln>
+                  <a:latin typeface="여기어때 잘난체" panose="020B0600000101010101" pitchFamily="50" charset="-127"/>
+                  <a:ea typeface="여기어때 잘난체" panose="020B0600000101010101" pitchFamily="50" charset="-127"/>
+                </a:rPr>
+                <a:t>언어가 변경됨</a:t>
+              </a:r>
+              <a:r>
+                <a:rPr lang="en-US" altLang="ko-KR" sz="1100" dirty="0" smtClean="0">
+                  <a:ln>
+                    <a:solidFill>
+                      <a:schemeClr val="accent1">
+                        <a:alpha val="0"/>
+                      </a:schemeClr>
+                    </a:solidFill>
+                  </a:ln>
                   <a:solidFill>
-                    <a:schemeClr val="accent1">
-                      <a:alpha val="0"/>
-                    </a:schemeClr>
+                    <a:schemeClr val="bg1"/>
                   </a:solidFill>
-                </a:ln>
-                <a:solidFill>
-                  <a:schemeClr val="bg1"/>
-                </a:solidFill>
-                <a:latin typeface="여기어때 잘난체" panose="020B0600000101010101" pitchFamily="50" charset="-127"/>
-                <a:ea typeface="여기어때 잘난체" panose="020B0600000101010101" pitchFamily="50" charset="-127"/>
-              </a:rPr>
-              <a:t>.</a:t>
-            </a:r>
-            <a:endParaRPr lang="en-US" altLang="ko-KR" sz="1100" dirty="0" smtClean="0">
-              <a:ln>
-                <a:solidFill>
-                  <a:schemeClr val="accent1">
-                    <a:alpha val="0"/>
-                  </a:schemeClr>
-                </a:solidFill>
-              </a:ln>
+                  <a:latin typeface="여기어때 잘난체" panose="020B0600000101010101" pitchFamily="50" charset="-127"/>
+                  <a:ea typeface="여기어때 잘난체" panose="020B0600000101010101" pitchFamily="50" charset="-127"/>
+                </a:rPr>
+                <a:t>.</a:t>
+              </a:r>
+            </a:p>
+          </p:txBody>
+        </p:sp>
+        <p:sp>
+          <p:nvSpPr>
+            <p:cNvPr id="15" name="오른쪽 화살표 14"/>
+            <p:cNvSpPr/>
+            <p:nvPr/>
+          </p:nvSpPr>
+          <p:spPr>
+            <a:xfrm rot="5400000">
+              <a:off x="5638994" y="2063263"/>
+              <a:ext cx="267679" cy="367914"/>
+            </a:xfrm>
+            <a:prstGeom prst="rightArrow">
+              <a:avLst>
+                <a:gd name="adj1" fmla="val 50000"/>
+                <a:gd name="adj2" fmla="val 46777"/>
+              </a:avLst>
+            </a:prstGeom>
+            <a:solidFill>
+              <a:srgbClr val="FFE7E7"/>
+            </a:solidFill>
+            <a:ln>
               <a:solidFill>
-                <a:schemeClr val="bg1"/>
+                <a:srgbClr val="F89698"/>
               </a:solidFill>
-              <a:latin typeface="여기어때 잘난체" panose="020B0600000101010101" pitchFamily="50" charset="-127"/>
-              <a:ea typeface="여기어때 잘난체" panose="020B0600000101010101" pitchFamily="50" charset="-127"/>
-            </a:endParaRPr>
-          </a:p>
-        </p:txBody>
-      </p:sp>
-      <p:sp>
-        <p:nvSpPr>
-          <p:cNvPr id="14" name="오른쪽 화살표 13"/>
-          <p:cNvSpPr/>
-          <p:nvPr/>
-        </p:nvSpPr>
-        <p:spPr>
-          <a:xfrm rot="16200000">
-            <a:off x="2925457" y="1269733"/>
-            <a:ext cx="267679" cy="735828"/>
-          </a:xfrm>
-          <a:prstGeom prst="rightArrow">
-            <a:avLst/>
-          </a:prstGeom>
-          <a:solidFill>
-            <a:srgbClr val="FFE7E7"/>
-          </a:solidFill>
-          <a:ln>
-            <a:solidFill>
-              <a:srgbClr val="F89698"/>
-            </a:solidFill>
-          </a:ln>
-        </p:spPr>
-        <p:style>
-          <a:lnRef idx="2">
-            <a:schemeClr val="accent1">
-              <a:shade val="50000"/>
-            </a:schemeClr>
-          </a:lnRef>
-          <a:fillRef idx="1">
-            <a:schemeClr val="accent1"/>
-          </a:fillRef>
-          <a:effectRef idx="0">
-            <a:schemeClr val="accent1"/>
-          </a:effectRef>
-          <a:fontRef idx="minor">
-            <a:schemeClr val="lt1"/>
-          </a:fontRef>
-        </p:style>
-        <p:txBody>
-          <a:bodyPr rtlCol="0" anchor="ctr"/>
-          <a:lstStyle/>
-          <a:p>
-            <a:pPr algn="ctr"/>
-            <a:endParaRPr lang="ko-KR" altLang="en-US"/>
-          </a:p>
-        </p:txBody>
-      </p:sp>
-      <p:sp>
-        <p:nvSpPr>
-          <p:cNvPr id="15" name="오른쪽 화살표 14"/>
-          <p:cNvSpPr/>
-          <p:nvPr/>
-        </p:nvSpPr>
-        <p:spPr>
-          <a:xfrm rot="5400000">
-            <a:off x="5638994" y="2063263"/>
-            <a:ext cx="267679" cy="367914"/>
-          </a:xfrm>
-          <a:prstGeom prst="rightArrow">
-            <a:avLst>
-              <a:gd name="adj1" fmla="val 50000"/>
-              <a:gd name="adj2" fmla="val 46777"/>
-            </a:avLst>
-          </a:prstGeom>
-          <a:solidFill>
-            <a:srgbClr val="FFE7E7"/>
-          </a:solidFill>
-          <a:ln>
-            <a:solidFill>
-              <a:srgbClr val="F89698"/>
-            </a:solidFill>
-          </a:ln>
-        </p:spPr>
-        <p:style>
-          <a:lnRef idx="2">
-            <a:schemeClr val="accent1">
-              <a:shade val="50000"/>
-            </a:schemeClr>
-          </a:lnRef>
-          <a:fillRef idx="1">
-            <a:schemeClr val="accent1"/>
-          </a:fillRef>
-          <a:effectRef idx="0">
-            <a:schemeClr val="accent1"/>
-          </a:effectRef>
-          <a:fontRef idx="minor">
-            <a:schemeClr val="lt1"/>
-          </a:fontRef>
-        </p:style>
-        <p:txBody>
-          <a:bodyPr rtlCol="0" anchor="ctr"/>
-          <a:lstStyle/>
-          <a:p>
-            <a:pPr algn="ctr"/>
-            <a:endParaRPr lang="ko-KR" altLang="en-US"/>
-          </a:p>
-        </p:txBody>
-      </p:sp>
+            </a:ln>
+          </p:spPr>
+          <p:style>
+            <a:lnRef idx="2">
+              <a:schemeClr val="accent1">
+                <a:shade val="50000"/>
+              </a:schemeClr>
+            </a:lnRef>
+            <a:fillRef idx="1">
+              <a:schemeClr val="accent1"/>
+            </a:fillRef>
+            <a:effectRef idx="0">
+              <a:schemeClr val="accent1"/>
+            </a:effectRef>
+            <a:fontRef idx="minor">
+              <a:schemeClr val="lt1"/>
+            </a:fontRef>
+          </p:style>
+          <p:txBody>
+            <a:bodyPr rtlCol="0" anchor="ctr"/>
+            <a:lstStyle/>
+            <a:p>
+              <a:pPr algn="ctr"/>
+              <a:endParaRPr lang="ko-KR" altLang="en-US"/>
+            </a:p>
+          </p:txBody>
+        </p:sp>
+      </p:grpSp>
     </p:spTree>
     <p:extLst>
       <p:ext uri="{BB962C8B-B14F-4D97-AF65-F5344CB8AC3E}">
@@ -11310,7 +11298,7 @@
                             </p:stCondLst>
                             <p:childTnLst>
                               <p:par>
-                                <p:cTn id="5" presetID="1" presetClass="entr" presetSubtype="0" fill="hold" grpId="0" nodeType="clickEffect">
+                                <p:cTn id="5" presetID="1" presetClass="entr" presetSubtype="0" fill="hold" nodeType="clickEffect">
                                   <p:stCondLst>
                                     <p:cond delay="0"/>
                                   </p:stCondLst>
@@ -11323,7 +11311,7 @@
                                           </p:stCondLst>
                                         </p:cTn>
                                         <p:tgtEl>
-                                          <p:spTgt spid="9"/>
+                                          <p:spTgt spid="3"/>
                                         </p:tgtEl>
                                         <p:attrNameLst>
                                           <p:attrName>style.visibility</p:attrName>
@@ -11368,7 +11356,7 @@
                                           </p:stCondLst>
                                         </p:cTn>
                                         <p:tgtEl>
-                                          <p:spTgt spid="10"/>
+                                          <p:spTgt spid="9"/>
                                         </p:tgtEl>
                                         <p:attrNameLst>
                                           <p:attrName>style.visibility</p:attrName>
@@ -11400,7 +11388,7 @@
                             </p:stCondLst>
                             <p:childTnLst>
                               <p:par>
-                                <p:cTn id="13" presetID="1" presetClass="entr" presetSubtype="0" fill="hold" grpId="0" nodeType="clickEffect">
+                                <p:cTn id="13" presetID="1" presetClass="entr" presetSubtype="0" fill="hold" nodeType="clickEffect">
                                   <p:stCondLst>
                                     <p:cond delay="0"/>
                                   </p:stCondLst>
@@ -11413,7 +11401,7 @@
                                           </p:stCondLst>
                                         </p:cTn>
                                         <p:tgtEl>
-                                          <p:spTgt spid="12"/>
+                                          <p:spTgt spid="4"/>
                                         </p:tgtEl>
                                         <p:attrNameLst>
                                           <p:attrName>style.visibility</p:attrName>
@@ -11458,7 +11446,52 @@
                                           </p:stCondLst>
                                         </p:cTn>
                                         <p:tgtEl>
-                                          <p:spTgt spid="13"/>
+                                          <p:spTgt spid="12"/>
+                                        </p:tgtEl>
+                                        <p:attrNameLst>
+                                          <p:attrName>style.visibility</p:attrName>
+                                        </p:attrNameLst>
+                                      </p:cBhvr>
+                                      <p:to>
+                                        <p:strVal val="visible"/>
+                                      </p:to>
+                                    </p:set>
+                                  </p:childTnLst>
+                                </p:cTn>
+                              </p:par>
+                            </p:childTnLst>
+                          </p:cTn>
+                        </p:par>
+                      </p:childTnLst>
+                    </p:cTn>
+                  </p:par>
+                  <p:par>
+                    <p:cTn id="19" fill="hold">
+                      <p:stCondLst>
+                        <p:cond delay="indefinite"/>
+                      </p:stCondLst>
+                      <p:childTnLst>
+                        <p:par>
+                          <p:cTn id="20" fill="hold">
+                            <p:stCondLst>
+                              <p:cond delay="0"/>
+                            </p:stCondLst>
+                            <p:childTnLst>
+                              <p:par>
+                                <p:cTn id="21" presetID="1" presetClass="entr" presetSubtype="0" fill="hold" nodeType="clickEffect">
+                                  <p:stCondLst>
+                                    <p:cond delay="0"/>
+                                  </p:stCondLst>
+                                  <p:childTnLst>
+                                    <p:set>
+                                      <p:cBhvr>
+                                        <p:cTn id="22" dur="1" fill="hold">
+                                          <p:stCondLst>
+                                            <p:cond delay="0"/>
+                                          </p:stCondLst>
+                                        </p:cTn>
+                                        <p:tgtEl>
+                                          <p:spTgt spid="6"/>
                                         </p:tgtEl>
                                         <p:attrNameLst>
                                           <p:attrName>style.visibility</p:attrName>
@@ -11500,9 +11533,7 @@
     </p:tnLst>
     <p:bldLst>
       <p:bldP spid="9" grpId="0" animBg="1"/>
-      <p:bldP spid="10" grpId="0"/>
       <p:bldP spid="12" grpId="0" animBg="1"/>
-      <p:bldP spid="13" grpId="0"/>
     </p:bldLst>
   </p:timing>
 </p:sld>
